--- a/랩미팅/201909/190916 (Jong).pptx
+++ b/랩미팅/201909/190916 (Jong).pptx
@@ -3512,7 +3512,7 @@
         <p:spPr>
           <a:xfrm>
             <a:off x="4845819" y="935183"/>
-            <a:ext cx="3761471" cy="464871"/>
+            <a:ext cx="3761471" cy="880369"/>
           </a:xfrm>
           <a:prstGeom prst="rect">
             <a:avLst/>
@@ -3534,7 +3534,24 @@
             </a:pPr>
             <a:r>
               <a:rPr lang="en-US" altLang="ko-KR" dirty="0" smtClean="0"/>
-              <a:t>Manuscript preparation</a:t>
+              <a:t>1x2 splitter (TE)</a:t>
+            </a:r>
+          </a:p>
+          <a:p>
+            <a:pPr marL="285750" indent="-285750">
+              <a:lnSpc>
+                <a:spcPct val="150000"/>
+              </a:lnSpc>
+              <a:buFontTx/>
+              <a:buChar char="-"/>
+            </a:pPr>
+            <a:r>
+              <a:rPr lang="en-US" altLang="ko-KR" dirty="0" smtClean="0"/>
+              <a:t>Manuscript </a:t>
+            </a:r>
+            <a:r>
+              <a:rPr lang="en-US" altLang="ko-KR" dirty="0" smtClean="0"/>
+              <a:t>preparation</a:t>
             </a:r>
             <a:r>
               <a:rPr lang="en-US" altLang="ko-KR" dirty="0"/>
@@ -6334,7 +6351,7 @@
         </p:blipFill>
         <p:spPr>
           <a:xfrm>
-            <a:off x="1959489" y="1105056"/>
+            <a:off x="1959489" y="878594"/>
             <a:ext cx="4313647" cy="2520000"/>
           </a:xfrm>
           <a:prstGeom prst="rect">
@@ -6358,7 +6375,7 @@
         </p:blipFill>
         <p:spPr>
           <a:xfrm>
-            <a:off x="243351" y="1105056"/>
+            <a:off x="243351" y="878594"/>
             <a:ext cx="1607495" cy="2520000"/>
           </a:xfrm>
           <a:prstGeom prst="rect">
@@ -6440,15 +6457,7 @@
                   <a:srgbClr val="3333FF"/>
                 </a:solidFill>
               </a:rPr>
-              <a:t>Splitter </a:t>
-            </a:r>
-            <a:r>
-              <a:rPr lang="en-US" altLang="ko-KR" sz="2000" b="1" dirty="0" smtClean="0">
-                <a:solidFill>
-                  <a:srgbClr val="3333FF"/>
-                </a:solidFill>
-              </a:rPr>
-              <a:t>Design Result</a:t>
+              <a:t>Splitter Input Mode Comparison</a:t>
             </a:r>
             <a:endParaRPr lang="ko-KR" altLang="en-US" sz="2000" b="1" dirty="0">
               <a:solidFill>
@@ -6466,7 +6475,7 @@
         </p:nvSpPr>
         <p:spPr>
           <a:xfrm>
-            <a:off x="668585" y="2906228"/>
+            <a:off x="668585" y="2679766"/>
             <a:ext cx="723570" cy="369332"/>
           </a:xfrm>
           <a:prstGeom prst="rect">
@@ -6504,7 +6513,7 @@
         </p:nvSpPr>
         <p:spPr>
           <a:xfrm>
-            <a:off x="450709" y="1255395"/>
+            <a:off x="450709" y="1028933"/>
             <a:ext cx="403587" cy="369332"/>
           </a:xfrm>
           <a:prstGeom prst="rect">
@@ -6550,7 +6559,7 @@
         </p:nvSpPr>
         <p:spPr>
           <a:xfrm>
-            <a:off x="5385230" y="1107472"/>
+            <a:off x="5385230" y="881010"/>
             <a:ext cx="445085" cy="369332"/>
           </a:xfrm>
           <a:prstGeom prst="rect">
@@ -6584,7 +6593,7 @@
         </p:nvSpPr>
         <p:spPr>
           <a:xfrm>
-            <a:off x="5335006" y="1724817"/>
+            <a:off x="5335006" y="1498355"/>
             <a:ext cx="545531" cy="369332"/>
           </a:xfrm>
           <a:prstGeom prst="rect">
@@ -6618,7 +6627,7 @@
         </p:nvSpPr>
         <p:spPr>
           <a:xfrm>
-            <a:off x="828577" y="1249226"/>
+            <a:off x="828577" y="1022764"/>
             <a:ext cx="403587" cy="369332"/>
           </a:xfrm>
           <a:prstGeom prst="rect">
@@ -6664,7 +6673,7 @@
         </p:nvSpPr>
         <p:spPr>
           <a:xfrm>
-            <a:off x="1190361" y="1243057"/>
+            <a:off x="1190361" y="1016595"/>
             <a:ext cx="403587" cy="369332"/>
           </a:xfrm>
           <a:prstGeom prst="rect">
@@ -6710,7 +6719,7 @@
         </p:nvSpPr>
         <p:spPr>
           <a:xfrm>
-            <a:off x="2643440" y="2586079"/>
+            <a:off x="2643440" y="2359617"/>
             <a:ext cx="445085" cy="369332"/>
           </a:xfrm>
           <a:prstGeom prst="rect">
@@ -6740,8 +6749,8 @@
         </p:nvSpPr>
         <p:spPr>
           <a:xfrm>
-            <a:off x="5137528" y="293337"/>
-            <a:ext cx="3267332" cy="646331"/>
+            <a:off x="4952439" y="189318"/>
+            <a:ext cx="3857105" cy="646331"/>
           </a:xfrm>
           <a:prstGeom prst="rect">
             <a:avLst/>
@@ -6790,7 +6799,15 @@
             </a:r>
             <a:r>
               <a:rPr lang="en-US" altLang="ko-KR" dirty="0" smtClean="0"/>
-              <a:t>| - |T</a:t>
+              <a:t>| - </a:t>
+            </a:r>
+            <a:r>
+              <a:rPr lang="en-US" altLang="ko-KR" dirty="0" smtClean="0"/>
+              <a:t>r*</a:t>
+            </a:r>
+            <a:r>
+              <a:rPr lang="en-US" altLang="ko-KR" dirty="0" smtClean="0"/>
+              <a:t>|T</a:t>
             </a:r>
             <a:r>
               <a:rPr lang="en-US" altLang="ko-KR" baseline="-25000" dirty="0" smtClean="0"/>
@@ -6806,7 +6823,7 @@
             </a:r>
             <a:r>
               <a:rPr lang="en-US" altLang="ko-KR" dirty="0" smtClean="0"/>
-              <a:t>|</a:t>
+              <a:t>|, r=0.2</a:t>
             </a:r>
             <a:endParaRPr lang="ko-KR" altLang="en-US" baseline="-25000" dirty="0"/>
           </a:p>
@@ -6820,8 +6837,8 @@
         </p:nvSpPr>
         <p:spPr>
           <a:xfrm>
-            <a:off x="61754" y="691259"/>
-            <a:ext cx="498816" cy="369332"/>
+            <a:off x="61753" y="464797"/>
+            <a:ext cx="2292943" cy="369332"/>
           </a:xfrm>
           <a:prstGeom prst="rect">
             <a:avLst/>
@@ -6840,7 +6857,7 @@
                   <a:srgbClr val="3333FF"/>
                 </a:solidFill>
               </a:rPr>
-              <a:t>TE</a:t>
+              <a:t>1x3 splitter TE</a:t>
             </a:r>
             <a:endParaRPr lang="ko-KR" altLang="en-US" b="1" baseline="-25000" dirty="0">
               <a:solidFill>
@@ -6858,7 +6875,7 @@
         </p:nvCxnSpPr>
         <p:spPr>
           <a:xfrm>
-            <a:off x="668585" y="3413760"/>
+            <a:off x="668585" y="3187298"/>
             <a:ext cx="723570" cy="0"/>
           </a:xfrm>
           <a:prstGeom prst="straightConnector1">
@@ -6895,7 +6912,7 @@
         </p:nvSpPr>
         <p:spPr>
           <a:xfrm>
-            <a:off x="1338974" y="3209655"/>
+            <a:off x="1338974" y="2983193"/>
             <a:ext cx="318376" cy="369332"/>
           </a:xfrm>
           <a:prstGeom prst="rect">
@@ -6933,7 +6950,7 @@
         </p:nvSpPr>
         <p:spPr>
           <a:xfrm>
-            <a:off x="1338974" y="5906828"/>
+            <a:off x="1338974" y="5680366"/>
             <a:ext cx="318376" cy="369332"/>
           </a:xfrm>
           <a:prstGeom prst="rect">
@@ -6971,7 +6988,7 @@
         </p:nvGrpSpPr>
         <p:grpSpPr>
           <a:xfrm>
-            <a:off x="901059" y="6144740"/>
+            <a:off x="901059" y="5918278"/>
             <a:ext cx="205442" cy="205442"/>
             <a:chOff x="896296" y="6138848"/>
             <a:chExt cx="205442" cy="205442"/>
@@ -7085,7 +7102,7 @@
         </p:blipFill>
         <p:spPr>
           <a:xfrm>
-            <a:off x="6273136" y="1234321"/>
+            <a:off x="6273136" y="1007859"/>
             <a:ext cx="2823688" cy="2160000"/>
           </a:xfrm>
           <a:prstGeom prst="rect">
@@ -7093,6 +7110,420 @@
           </a:prstGeom>
         </p:spPr>
       </p:pic>
+      <p:sp>
+        <p:nvSpPr>
+          <p:cNvPr id="23" name="TextBox 22"/>
+          <p:cNvSpPr txBox="1"/>
+          <p:nvPr/>
+        </p:nvSpPr>
+        <p:spPr>
+          <a:xfrm>
+            <a:off x="1401" y="3925460"/>
+            <a:ext cx="2503506" cy="369332"/>
+          </a:xfrm>
+          <a:prstGeom prst="rect">
+            <a:avLst/>
+          </a:prstGeom>
+          <a:noFill/>
+        </p:spPr>
+        <p:txBody>
+          <a:bodyPr wrap="none" rtlCol="0">
+            <a:spAutoFit/>
+          </a:bodyPr>
+          <a:lstStyle/>
+          <a:p>
+            <a:r>
+              <a:rPr lang="en-US" altLang="ko-KR" b="1" dirty="0" smtClean="0">
+                <a:solidFill>
+                  <a:srgbClr val="3333FF"/>
+                </a:solidFill>
+              </a:rPr>
+              <a:t>1x2 splitter TM - 190708</a:t>
+            </a:r>
+            <a:endParaRPr lang="ko-KR" altLang="en-US" b="1" dirty="0">
+              <a:solidFill>
+                <a:srgbClr val="3333FF"/>
+              </a:solidFill>
+            </a:endParaRPr>
+          </a:p>
+        </p:txBody>
+      </p:sp>
+      <p:grpSp>
+        <p:nvGrpSpPr>
+          <p:cNvPr id="26" name="그룹 25"/>
+          <p:cNvGrpSpPr/>
+          <p:nvPr/>
+        </p:nvGrpSpPr>
+        <p:grpSpPr>
+          <a:xfrm>
+            <a:off x="368097" y="4363512"/>
+            <a:ext cx="1797443" cy="1727367"/>
+            <a:chOff x="2507760" y="4308475"/>
+            <a:chExt cx="1797443" cy="1727367"/>
+          </a:xfrm>
+        </p:grpSpPr>
+        <p:pic>
+          <p:nvPicPr>
+            <p:cNvPr id="27" name="그림 26"/>
+            <p:cNvPicPr>
+              <a:picLocks noChangeAspect="1"/>
+            </p:cNvPicPr>
+            <p:nvPr/>
+          </p:nvPicPr>
+          <p:blipFill rotWithShape="1">
+            <a:blip r:embed="rId5">
+              <a:extLst>
+                <a:ext uri="{28A0092B-C50C-407E-A947-70E740481C1C}">
+                  <a14:useLocalDpi xmlns:a14="http://schemas.microsoft.com/office/drawing/2010/main" val="0"/>
+                </a:ext>
+              </a:extLst>
+            </a:blip>
+            <a:srcRect l="30295" t="12324" r="34300" b="5966"/>
+            <a:stretch/>
+          </p:blipFill>
+          <p:spPr>
+            <a:xfrm>
+              <a:off x="2507760" y="4314825"/>
+              <a:ext cx="994266" cy="1721017"/>
+            </a:xfrm>
+            <a:prstGeom prst="rect">
+              <a:avLst/>
+            </a:prstGeom>
+          </p:spPr>
+        </p:pic>
+        <p:pic>
+          <p:nvPicPr>
+            <p:cNvPr id="28" name="그림 27"/>
+            <p:cNvPicPr>
+              <a:picLocks noChangeAspect="1"/>
+            </p:cNvPicPr>
+            <p:nvPr/>
+          </p:nvPicPr>
+          <p:blipFill rotWithShape="1">
+            <a:blip r:embed="rId5">
+              <a:extLst>
+                <a:ext uri="{28A0092B-C50C-407E-A947-70E740481C1C}">
+                  <a14:useLocalDpi xmlns:a14="http://schemas.microsoft.com/office/drawing/2010/main" val="0"/>
+                </a:ext>
+              </a:extLst>
+            </a:blip>
+            <a:srcRect l="36864" t="11980" r="34536" b="10798"/>
+            <a:stretch/>
+          </p:blipFill>
+          <p:spPr>
+            <a:xfrm flipH="1">
+              <a:off x="3502026" y="4308475"/>
+              <a:ext cx="803177" cy="1626507"/>
+            </a:xfrm>
+            <a:prstGeom prst="rect">
+              <a:avLst/>
+            </a:prstGeom>
+          </p:spPr>
+        </p:pic>
+      </p:grpSp>
+      <p:grpSp>
+        <p:nvGrpSpPr>
+          <p:cNvPr id="29" name="그룹 28"/>
+          <p:cNvGrpSpPr/>
+          <p:nvPr/>
+        </p:nvGrpSpPr>
+        <p:grpSpPr>
+          <a:xfrm>
+            <a:off x="2601906" y="4052077"/>
+            <a:ext cx="1800000" cy="2016953"/>
+            <a:chOff x="4769489" y="3828384"/>
+            <a:chExt cx="1800000" cy="2016953"/>
+          </a:xfrm>
+        </p:grpSpPr>
+        <p:pic>
+          <p:nvPicPr>
+            <p:cNvPr id="31" name="그림 30"/>
+            <p:cNvPicPr>
+              <a:picLocks noChangeAspect="1"/>
+            </p:cNvPicPr>
+            <p:nvPr/>
+          </p:nvPicPr>
+          <p:blipFill>
+            <a:blip r:embed="rId6"/>
+            <a:stretch>
+              <a:fillRect/>
+            </a:stretch>
+          </p:blipFill>
+          <p:spPr>
+            <a:xfrm>
+              <a:off x="4769489" y="4013050"/>
+              <a:ext cx="1800000" cy="1832287"/>
+            </a:xfrm>
+            <a:prstGeom prst="rect">
+              <a:avLst/>
+            </a:prstGeom>
+          </p:spPr>
+        </p:pic>
+        <p:sp>
+          <p:nvSpPr>
+            <p:cNvPr id="32" name="TextBox 31"/>
+            <p:cNvSpPr txBox="1"/>
+            <p:nvPr/>
+          </p:nvSpPr>
+          <p:spPr>
+            <a:xfrm>
+              <a:off x="5061082" y="3828384"/>
+              <a:ext cx="437454" cy="369332"/>
+            </a:xfrm>
+            <a:prstGeom prst="rect">
+              <a:avLst/>
+            </a:prstGeom>
+            <a:noFill/>
+          </p:spPr>
+          <p:txBody>
+            <a:bodyPr wrap="square" rtlCol="0">
+              <a:spAutoFit/>
+            </a:bodyPr>
+            <a:lstStyle/>
+            <a:p>
+              <a:r>
+                <a:rPr lang="en-US" altLang="ko-KR" b="1" dirty="0" smtClean="0"/>
+                <a:t>T</a:t>
+              </a:r>
+              <a:r>
+                <a:rPr lang="en-US" altLang="ko-KR" b="1" baseline="-25000" dirty="0" smtClean="0"/>
+                <a:t>1</a:t>
+              </a:r>
+              <a:endParaRPr lang="ko-KR" altLang="en-US" b="1" baseline="-25000" dirty="0"/>
+            </a:p>
+          </p:txBody>
+        </p:sp>
+        <p:sp>
+          <p:nvSpPr>
+            <p:cNvPr id="33" name="TextBox 32"/>
+            <p:cNvSpPr txBox="1"/>
+            <p:nvPr/>
+          </p:nvSpPr>
+          <p:spPr>
+            <a:xfrm>
+              <a:off x="5887128" y="3828384"/>
+              <a:ext cx="437454" cy="369332"/>
+            </a:xfrm>
+            <a:prstGeom prst="rect">
+              <a:avLst/>
+            </a:prstGeom>
+            <a:noFill/>
+          </p:spPr>
+          <p:txBody>
+            <a:bodyPr wrap="square" rtlCol="0">
+              <a:spAutoFit/>
+            </a:bodyPr>
+            <a:lstStyle/>
+            <a:p>
+              <a:r>
+                <a:rPr lang="en-US" altLang="ko-KR" b="1" dirty="0" smtClean="0"/>
+                <a:t>T</a:t>
+              </a:r>
+              <a:r>
+                <a:rPr lang="en-US" altLang="ko-KR" b="1" baseline="-25000" dirty="0" smtClean="0"/>
+                <a:t>2</a:t>
+              </a:r>
+              <a:endParaRPr lang="ko-KR" altLang="en-US" b="1" baseline="-25000" dirty="0"/>
+            </a:p>
+          </p:txBody>
+        </p:sp>
+      </p:grpSp>
+      <p:pic>
+        <p:nvPicPr>
+          <p:cNvPr id="34" name="그림 33"/>
+          <p:cNvPicPr>
+            <a:picLocks noChangeAspect="1"/>
+          </p:cNvPicPr>
+          <p:nvPr/>
+        </p:nvPicPr>
+        <p:blipFill>
+          <a:blip r:embed="rId7">
+            <a:extLst>
+              <a:ext uri="{28A0092B-C50C-407E-A947-70E740481C1C}">
+                <a14:useLocalDpi xmlns:a14="http://schemas.microsoft.com/office/drawing/2010/main" val="0"/>
+              </a:ext>
+            </a:extLst>
+          </a:blip>
+          <a:stretch>
+            <a:fillRect/>
+          </a:stretch>
+        </p:blipFill>
+        <p:spPr>
+          <a:xfrm>
+            <a:off x="4561449" y="4555237"/>
+            <a:ext cx="2160000" cy="1343917"/>
+          </a:xfrm>
+          <a:prstGeom prst="rect">
+            <a:avLst/>
+          </a:prstGeom>
+        </p:spPr>
+      </p:pic>
+      <p:pic>
+        <p:nvPicPr>
+          <p:cNvPr id="35" name="그림 34"/>
+          <p:cNvPicPr>
+            <a:picLocks noChangeAspect="1"/>
+          </p:cNvPicPr>
+          <p:nvPr/>
+        </p:nvPicPr>
+        <p:blipFill>
+          <a:blip r:embed="rId7">
+            <a:extLst>
+              <a:ext uri="{28A0092B-C50C-407E-A947-70E740481C1C}">
+                <a14:useLocalDpi xmlns:a14="http://schemas.microsoft.com/office/drawing/2010/main" val="0"/>
+              </a:ext>
+            </a:extLst>
+          </a:blip>
+          <a:stretch>
+            <a:fillRect/>
+          </a:stretch>
+        </p:blipFill>
+        <p:spPr>
+          <a:xfrm>
+            <a:off x="6880992" y="4555237"/>
+            <a:ext cx="2160000" cy="1343917"/>
+          </a:xfrm>
+          <a:prstGeom prst="rect">
+            <a:avLst/>
+          </a:prstGeom>
+        </p:spPr>
+      </p:pic>
+      <p:sp>
+        <p:nvSpPr>
+          <p:cNvPr id="36" name="TextBox 35"/>
+          <p:cNvSpPr txBox="1"/>
+          <p:nvPr/>
+        </p:nvSpPr>
+        <p:spPr>
+          <a:xfrm>
+            <a:off x="5250284" y="4338434"/>
+            <a:ext cx="1035762" cy="369332"/>
+          </a:xfrm>
+          <a:prstGeom prst="rect">
+            <a:avLst/>
+          </a:prstGeom>
+          <a:noFill/>
+        </p:spPr>
+        <p:txBody>
+          <a:bodyPr wrap="square" rtlCol="0">
+            <a:spAutoFit/>
+          </a:bodyPr>
+          <a:lstStyle/>
+          <a:p>
+            <a:r>
+              <a:rPr lang="en-US" altLang="ko-KR" b="1" dirty="0" smtClean="0"/>
+              <a:t>T</a:t>
+            </a:r>
+            <a:r>
+              <a:rPr lang="en-US" altLang="ko-KR" b="1" baseline="-25000" dirty="0" smtClean="0"/>
+              <a:t>1 </a:t>
+            </a:r>
+            <a:r>
+              <a:rPr lang="en-US" altLang="ko-KR" b="1" dirty="0" smtClean="0"/>
+              <a:t>~0.41</a:t>
+            </a:r>
+            <a:endParaRPr lang="ko-KR" altLang="en-US" b="1" dirty="0"/>
+          </a:p>
+        </p:txBody>
+      </p:sp>
+      <p:sp>
+        <p:nvSpPr>
+          <p:cNvPr id="37" name="TextBox 36"/>
+          <p:cNvSpPr txBox="1"/>
+          <p:nvPr/>
+        </p:nvSpPr>
+        <p:spPr>
+          <a:xfrm>
+            <a:off x="7486650" y="4363512"/>
+            <a:ext cx="1085850" cy="369332"/>
+          </a:xfrm>
+          <a:prstGeom prst="rect">
+            <a:avLst/>
+          </a:prstGeom>
+          <a:noFill/>
+        </p:spPr>
+        <p:txBody>
+          <a:bodyPr wrap="square" rtlCol="0">
+            <a:spAutoFit/>
+          </a:bodyPr>
+          <a:lstStyle/>
+          <a:p>
+            <a:r>
+              <a:rPr lang="en-US" altLang="ko-KR" b="1" dirty="0" smtClean="0"/>
+              <a:t>T</a:t>
+            </a:r>
+            <a:r>
+              <a:rPr lang="en-US" altLang="ko-KR" b="1" baseline="-25000" dirty="0" smtClean="0"/>
+              <a:t>2 </a:t>
+            </a:r>
+            <a:r>
+              <a:rPr lang="en-US" altLang="ko-KR" b="1" dirty="0" smtClean="0"/>
+              <a:t>~0.41</a:t>
+            </a:r>
+            <a:endParaRPr lang="ko-KR" altLang="en-US" b="1" dirty="0"/>
+          </a:p>
+        </p:txBody>
+      </p:sp>
+      <p:sp>
+        <p:nvSpPr>
+          <p:cNvPr id="38" name="TextBox 37"/>
+          <p:cNvSpPr txBox="1"/>
+          <p:nvPr/>
+        </p:nvSpPr>
+        <p:spPr>
+          <a:xfrm>
+            <a:off x="130285" y="3541280"/>
+            <a:ext cx="3427562" cy="369332"/>
+          </a:xfrm>
+          <a:prstGeom prst="rect">
+            <a:avLst/>
+          </a:prstGeom>
+          <a:noFill/>
+        </p:spPr>
+        <p:txBody>
+          <a:bodyPr wrap="square" rtlCol="0">
+            <a:spAutoFit/>
+          </a:bodyPr>
+          <a:lstStyle/>
+          <a:p>
+            <a:r>
+              <a:rPr lang="en-US" altLang="ko-KR" dirty="0" smtClean="0"/>
+              <a:t>Power uniformity = 2.17 ±0.75 dB</a:t>
+            </a:r>
+            <a:endParaRPr lang="ko-KR" altLang="en-US" baseline="-25000" dirty="0"/>
+          </a:p>
+        </p:txBody>
+      </p:sp>
+      <p:sp>
+        <p:nvSpPr>
+          <p:cNvPr id="39" name="TextBox 38"/>
+          <p:cNvSpPr txBox="1"/>
+          <p:nvPr/>
+        </p:nvSpPr>
+        <p:spPr>
+          <a:xfrm>
+            <a:off x="130285" y="6137750"/>
+            <a:ext cx="2763214" cy="369332"/>
+          </a:xfrm>
+          <a:prstGeom prst="rect">
+            <a:avLst/>
+          </a:prstGeom>
+          <a:noFill/>
+        </p:spPr>
+        <p:txBody>
+          <a:bodyPr wrap="square" rtlCol="0">
+            <a:spAutoFit/>
+          </a:bodyPr>
+          <a:lstStyle/>
+          <a:p>
+            <a:r>
+              <a:rPr lang="en-US" altLang="ko-KR" dirty="0" smtClean="0"/>
+              <a:t>Power uniformity = 0.42 dB</a:t>
+            </a:r>
+            <a:endParaRPr lang="ko-KR" altLang="en-US" baseline="-25000" dirty="0"/>
+          </a:p>
+        </p:txBody>
+      </p:sp>
     </p:spTree>
     <p:extLst>
       <p:ext uri="{BB962C8B-B14F-4D97-AF65-F5344CB8AC3E}">

--- a/랩미팅/201909/190916 (Jong).pptx
+++ b/랩미팅/201909/190916 (Jong).pptx
@@ -3547,11 +3547,7 @@
             </a:pPr>
             <a:r>
               <a:rPr lang="en-US" altLang="ko-KR" dirty="0" smtClean="0"/>
-              <a:t>Manuscript </a:t>
-            </a:r>
-            <a:r>
-              <a:rPr lang="en-US" altLang="ko-KR" dirty="0" smtClean="0"/>
-              <a:t>preparation</a:t>
+              <a:t>Manuscript preparation</a:t>
             </a:r>
             <a:r>
               <a:rPr lang="en-US" altLang="ko-KR" dirty="0"/>
@@ -6799,15 +6795,7 @@
             </a:r>
             <a:r>
               <a:rPr lang="en-US" altLang="ko-KR" dirty="0" smtClean="0"/>
-              <a:t>| - </a:t>
-            </a:r>
-            <a:r>
-              <a:rPr lang="en-US" altLang="ko-KR" dirty="0" smtClean="0"/>
-              <a:t>r*</a:t>
-            </a:r>
-            <a:r>
-              <a:rPr lang="en-US" altLang="ko-KR" dirty="0" smtClean="0"/>
-              <a:t>|T</a:t>
+              <a:t>| - r*|T</a:t>
             </a:r>
             <a:r>
               <a:rPr lang="en-US" altLang="ko-KR" baseline="-25000" dirty="0" smtClean="0"/>
@@ -7118,7 +7106,7 @@
         </p:nvSpPr>
         <p:spPr>
           <a:xfrm>
-            <a:off x="1401" y="3925460"/>
+            <a:off x="1401" y="3796210"/>
             <a:ext cx="2503506" cy="369332"/>
           </a:xfrm>
           <a:prstGeom prst="rect">
@@ -7350,7 +7338,7 @@
         </p:blipFill>
         <p:spPr>
           <a:xfrm>
-            <a:off x="4561449" y="4555237"/>
+            <a:off x="4561449" y="4720401"/>
             <a:ext cx="2160000" cy="1343917"/>
           </a:xfrm>
           <a:prstGeom prst="rect">
@@ -7380,7 +7368,7 @@
         </p:blipFill>
         <p:spPr>
           <a:xfrm>
-            <a:off x="6880992" y="4555237"/>
+            <a:off x="6880992" y="4720401"/>
             <a:ext cx="2160000" cy="1343917"/>
           </a:xfrm>
           <a:prstGeom prst="rect">
@@ -7396,7 +7384,7 @@
         </p:nvSpPr>
         <p:spPr>
           <a:xfrm>
-            <a:off x="5250284" y="4338434"/>
+            <a:off x="5250284" y="4503598"/>
             <a:ext cx="1035762" cy="369332"/>
           </a:xfrm>
           <a:prstGeom prst="rect">
@@ -7434,7 +7422,7 @@
         </p:nvSpPr>
         <p:spPr>
           <a:xfrm>
-            <a:off x="7486650" y="4363512"/>
+            <a:off x="7486650" y="4528676"/>
             <a:ext cx="1085850" cy="369332"/>
           </a:xfrm>
           <a:prstGeom prst="rect">
@@ -7472,7 +7460,7 @@
         </p:nvSpPr>
         <p:spPr>
           <a:xfrm>
-            <a:off x="130285" y="3541280"/>
+            <a:off x="130285" y="3437011"/>
             <a:ext cx="3427562" cy="369332"/>
           </a:xfrm>
           <a:prstGeom prst="rect">
@@ -7519,6 +7507,79 @@
             <a:r>
               <a:rPr lang="en-US" altLang="ko-KR" dirty="0" smtClean="0"/>
               <a:t>Power uniformity = 0.42 dB</a:t>
+            </a:r>
+            <a:endParaRPr lang="ko-KR" altLang="en-US" baseline="-25000" dirty="0"/>
+          </a:p>
+        </p:txBody>
+      </p:sp>
+      <p:sp>
+        <p:nvSpPr>
+          <p:cNvPr id="40" name="TextBox 39"/>
+          <p:cNvSpPr txBox="1"/>
+          <p:nvPr/>
+        </p:nvSpPr>
+        <p:spPr>
+          <a:xfrm>
+            <a:off x="4952439" y="3828368"/>
+            <a:ext cx="2198859" cy="646331"/>
+          </a:xfrm>
+          <a:prstGeom prst="rect">
+            <a:avLst/>
+          </a:prstGeom>
+          <a:noFill/>
+        </p:spPr>
+        <p:txBody>
+          <a:bodyPr wrap="square" rtlCol="0">
+            <a:spAutoFit/>
+          </a:bodyPr>
+          <a:lstStyle/>
+          <a:p>
+            <a:r>
+              <a:rPr lang="en-US" altLang="ko-KR" dirty="0" smtClean="0"/>
+              <a:t># of data: </a:t>
+            </a:r>
+            <a:r>
+              <a:rPr lang="en-US" altLang="ko-KR" dirty="0" smtClean="0"/>
+              <a:t>40,000</a:t>
+            </a:r>
+            <a:endParaRPr lang="en-US" altLang="ko-KR" dirty="0" smtClean="0"/>
+          </a:p>
+          <a:p>
+            <a:r>
+              <a:rPr lang="en-US" altLang="ko-KR" dirty="0"/>
+              <a:t>FOM = </a:t>
+            </a:r>
+            <a:r>
+              <a:rPr lang="en-US" altLang="ko-KR" dirty="0" smtClean="0"/>
+              <a:t>T</a:t>
+            </a:r>
+            <a:r>
+              <a:rPr lang="en-US" altLang="ko-KR" baseline="-25000" dirty="0" smtClean="0"/>
+              <a:t>1</a:t>
+            </a:r>
+            <a:r>
+              <a:rPr lang="en-US" altLang="ko-KR" dirty="0" smtClean="0"/>
+              <a:t>+T</a:t>
+            </a:r>
+            <a:r>
+              <a:rPr lang="en-US" altLang="ko-KR" baseline="-25000" dirty="0" smtClean="0"/>
+              <a:t>2</a:t>
+            </a:r>
+            <a:r>
+              <a:rPr lang="en-US" altLang="ko-KR" dirty="0" smtClean="0"/>
+              <a:t> </a:t>
+            </a:r>
+            <a:r>
+              <a:rPr lang="en-US" altLang="ko-KR" dirty="0"/>
+              <a:t>- |</a:t>
+            </a:r>
+            <a:r>
+              <a:rPr lang="en-US" altLang="ko-KR" dirty="0" smtClean="0"/>
+              <a:t>R</a:t>
+            </a:r>
+            <a:r>
+              <a:rPr lang="en-US" altLang="ko-KR" dirty="0"/>
+              <a:t>|</a:t>
             </a:r>
             <a:endParaRPr lang="ko-KR" altLang="en-US" baseline="-25000" dirty="0"/>
           </a:p>
